--- a/Project3/Texting with Frequency Encoding.pptx
+++ b/Project3/Texting with Frequency Encoding.pptx
@@ -9,13 +9,13 @@
     <p:sldId id="257" r:id="rId3"/>
     <p:sldId id="258" r:id="rId4"/>
     <p:sldId id="259" r:id="rId5"/>
-    <p:sldId id="260" r:id="rId6"/>
-    <p:sldId id="261" r:id="rId7"/>
-    <p:sldId id="262" r:id="rId8"/>
-    <p:sldId id="263" r:id="rId9"/>
-    <p:sldId id="264" r:id="rId10"/>
-    <p:sldId id="265" r:id="rId11"/>
-    <p:sldId id="266" r:id="rId12"/>
+    <p:sldId id="261" r:id="rId6"/>
+    <p:sldId id="262" r:id="rId7"/>
+    <p:sldId id="263" r:id="rId8"/>
+    <p:sldId id="264" r:id="rId9"/>
+    <p:sldId id="265" r:id="rId10"/>
+    <p:sldId id="266" r:id="rId11"/>
+    <p:sldId id="267" r:id="rId12"/>
   </p:sldIdLst>
   <p:sldSz cx="9144000" cy="6858000" type="screen4x3"/>
   <p:notesSz cx="6858000" cy="9144000"/>
@@ -3523,7 +3523,9 @@
         </p:nvSpPr>
         <p:spPr/>
         <p:txBody>
-          <a:bodyPr/>
+          <a:bodyPr>
+            <a:normAutofit fontScale="92500" lnSpcReduction="10000"/>
+          </a:bodyPr>
           <a:lstStyle/>
           <a:p>
             <a:r>
@@ -3541,6 +3543,21 @@
               <a:rPr lang="en-US" dirty="0" smtClean="0"/>
               <a:t>Jacob Sanchez</a:t>
             </a:r>
+          </a:p>
+          <a:p>
+            <a:r>
+              <a:rPr lang="en-US" dirty="0" err="1" smtClean="0"/>
+              <a:t>Jobin</a:t>
+            </a:r>
+            <a:r>
+              <a:rPr lang="en-US" dirty="0" smtClean="0"/>
+              <a:t> </a:t>
+            </a:r>
+            <a:r>
+              <a:rPr lang="en-US" dirty="0" smtClean="0"/>
+              <a:t>Thomas</a:t>
+            </a:r>
+            <a:endParaRPr lang="en-US" dirty="0" smtClean="0"/>
           </a:p>
           <a:p>
             <a:r>
@@ -3594,65 +3611,6 @@
 </file>
 
 <file path=ppt/slides/slide10.xml><?xml version="1.0" encoding="utf-8"?>
-<p:sld xmlns:a="http://schemas.openxmlformats.org/drawingml/2006/main" xmlns:r="http://schemas.openxmlformats.org/officeDocument/2006/relationships" xmlns:p="http://schemas.openxmlformats.org/presentationml/2006/main">
-  <p:cSld>
-    <p:spTree>
-      <p:nvGrpSpPr>
-        <p:cNvPr id="1" name=""/>
-        <p:cNvGrpSpPr/>
-        <p:nvPr/>
-      </p:nvGrpSpPr>
-      <p:grpSpPr>
-        <a:xfrm>
-          <a:off x="0" y="0"/>
-          <a:ext cx="0" cy="0"/>
-          <a:chOff x="0" y="0"/>
-          <a:chExt cx="0" cy="0"/>
-        </a:xfrm>
-      </p:grpSpPr>
-      <p:sp>
-        <p:nvSpPr>
-          <p:cNvPr id="2" name="Title 1"/>
-          <p:cNvSpPr>
-            <a:spLocks noGrp="1"/>
-          </p:cNvSpPr>
-          <p:nvPr>
-            <p:ph type="title"/>
-          </p:nvPr>
-        </p:nvSpPr>
-        <p:spPr>
-          <a:xfrm>
-            <a:off x="609600" y="2209800"/>
-            <a:ext cx="7924800" cy="1143000"/>
-          </a:xfrm>
-        </p:spPr>
-        <p:txBody>
-          <a:bodyPr/>
-          <a:lstStyle/>
-          <a:p>
-            <a:pPr algn="ctr"/>
-            <a:r>
-              <a:rPr lang="en-US" dirty="0" smtClean="0"/>
-              <a:t>decoder</a:t>
-            </a:r>
-            <a:endParaRPr lang="en-US" dirty="0"/>
-          </a:p>
-        </p:txBody>
-      </p:sp>
-    </p:spTree>
-    <p:extLst>
-      <p:ext uri="{BB962C8B-B14F-4D97-AF65-F5344CB8AC3E}">
-        <p14:creationId xmlns:p14="http://schemas.microsoft.com/office/powerpoint/2010/main" val="3132110286"/>
-      </p:ext>
-    </p:extLst>
-  </p:cSld>
-  <p:clrMapOvr>
-    <a:masterClrMapping/>
-  </p:clrMapOvr>
-</p:sld>
-</file>
-
-<file path=ppt/slides/slide11.xml><?xml version="1.0" encoding="utf-8"?>
 <p:sld xmlns:a="http://schemas.openxmlformats.org/drawingml/2006/main" xmlns:r="http://schemas.openxmlformats.org/officeDocument/2006/relationships" xmlns:p="http://schemas.openxmlformats.org/presentationml/2006/main">
   <p:cSld>
     <p:spTree>
@@ -3827,6 +3785,90 @@
 </p:sld>
 </file>
 
+<file path=ppt/slides/slide11.xml><?xml version="1.0" encoding="utf-8"?>
+<p:sld xmlns:a="http://schemas.openxmlformats.org/drawingml/2006/main" xmlns:r="http://schemas.openxmlformats.org/officeDocument/2006/relationships" xmlns:p="http://schemas.openxmlformats.org/presentationml/2006/main">
+  <p:cSld>
+    <p:spTree>
+      <p:nvGrpSpPr>
+        <p:cNvPr id="1" name=""/>
+        <p:cNvGrpSpPr/>
+        <p:nvPr/>
+      </p:nvGrpSpPr>
+      <p:grpSpPr>
+        <a:xfrm>
+          <a:off x="0" y="0"/>
+          <a:ext cx="0" cy="0"/>
+          <a:chOff x="0" y="0"/>
+          <a:chExt cx="0" cy="0"/>
+        </a:xfrm>
+      </p:grpSpPr>
+      <p:pic>
+        <p:nvPicPr>
+          <p:cNvPr id="2051" name="Picture 3"/>
+          <p:cNvPicPr>
+            <a:picLocks noChangeAspect="1" noChangeArrowheads="1"/>
+          </p:cNvPicPr>
+          <p:nvPr/>
+        </p:nvPicPr>
+        <p:blipFill>
+          <a:blip r:embed="rId2">
+            <a:extLst>
+              <a:ext uri="{28A0092B-C50C-407E-A947-70E740481C1C}">
+                <a14:useLocalDpi xmlns:a14="http://schemas.microsoft.com/office/drawing/2010/main" val="0"/>
+              </a:ext>
+            </a:extLst>
+          </a:blip>
+          <a:srcRect/>
+          <a:stretch>
+            <a:fillRect/>
+          </a:stretch>
+        </p:blipFill>
+        <p:spPr bwMode="auto">
+          <a:xfrm>
+            <a:off x="0" y="228600"/>
+            <a:ext cx="9144000" cy="6344582"/>
+          </a:xfrm>
+          <a:prstGeom prst="rect">
+            <a:avLst/>
+          </a:prstGeom>
+          <a:noFill/>
+          <a:ln>
+            <a:noFill/>
+          </a:ln>
+          <a:extLst>
+            <a:ext uri="{909E8E84-426E-40DD-AFC4-6F175D3DCCD1}">
+              <a14:hiddenFill xmlns:a14="http://schemas.microsoft.com/office/drawing/2010/main">
+                <a:solidFill>
+                  <a:schemeClr val="accent1"/>
+                </a:solidFill>
+              </a14:hiddenFill>
+            </a:ext>
+            <a:ext uri="{91240B29-F687-4F45-9708-019B960494DF}">
+              <a14:hiddenLine xmlns:a14="http://schemas.microsoft.com/office/drawing/2010/main" w="9525">
+                <a:solidFill>
+                  <a:schemeClr val="tx1"/>
+                </a:solidFill>
+                <a:miter lim="800000"/>
+                <a:headEnd/>
+                <a:tailEnd/>
+              </a14:hiddenLine>
+            </a:ext>
+          </a:extLst>
+        </p:spPr>
+      </p:pic>
+    </p:spTree>
+    <p:extLst>
+      <p:ext uri="{BB962C8B-B14F-4D97-AF65-F5344CB8AC3E}">
+        <p14:creationId xmlns:p14="http://schemas.microsoft.com/office/powerpoint/2010/main" val="611391598"/>
+      </p:ext>
+    </p:extLst>
+  </p:cSld>
+  <p:clrMapOvr>
+    <a:masterClrMapping/>
+  </p:clrMapOvr>
+</p:sld>
+</file>
+
 <file path=ppt/slides/slide2.xml><?xml version="1.0" encoding="utf-8"?>
 <p:sld xmlns:a="http://schemas.openxmlformats.org/drawingml/2006/main" xmlns:r="http://schemas.openxmlformats.org/officeDocument/2006/relationships" xmlns:p="http://schemas.openxmlformats.org/presentationml/2006/main">
   <p:cSld>
@@ -3905,7 +3947,6 @@
               <a:rPr lang="en-US" sz="2000" dirty="0"/>
               <a:t> Develop and implement algorithms in MATLAB for the CODEC part of the communication system (one at the transmitter and another one at the receiver); they include components for encoding/decoding text messages. Your program shall prompt the user for a text message (which is terminated with a return), encode the message, store the encoded message as the frequency encoded signal at transmitter end, read back the stored and encoded signal at receiver end, decode the text from the encoded message and print the message on the receiver screen. </a:t>
             </a:r>
-            <a:endParaRPr lang="en-US" sz="2000" dirty="0"/>
           </a:p>
         </p:txBody>
       </p:sp>
@@ -3998,8 +4039,8 @@
           <a:chExt cx="0" cy="0"/>
         </a:xfrm>
       </p:grpSpPr>
-      <mc:AlternateContent xmlns:mc="http://schemas.openxmlformats.org/markup-compatibility/2006">
-        <mc:Choice xmlns:a14="http://schemas.microsoft.com/office/drawing/2010/main" Requires="a14">
+      <mc:AlternateContent xmlns:mc="http://schemas.openxmlformats.org/markup-compatibility/2006" xmlns:a14="http://schemas.microsoft.com/office/drawing/2010/main">
+        <mc:Choice Requires="a14">
           <p:sp>
             <p:nvSpPr>
               <p:cNvPr id="9" name="Content Placeholder 8"/>
@@ -4048,145 +4089,207 @@
                     </m:oMathParaPr>
                     <m:oMath xmlns:m="http://schemas.openxmlformats.org/officeDocument/2006/math">
                       <m:r>
-                        <a:rPr lang="en-US" i="1"/>
+                        <a:rPr lang="en-US" i="1">
+                          <a:latin typeface="Cambria Math"/>
+                        </a:rPr>
                         <m:t>𝜌</m:t>
                       </m:r>
                       <m:r>
-                        <a:rPr lang="en-US" i="1"/>
+                        <a:rPr lang="en-US" i="1">
+                          <a:latin typeface="Cambria Math"/>
+                        </a:rPr>
                         <m:t>𝑋</m:t>
                       </m:r>
                       <m:r>
-                        <a:rPr lang="en-US" i="1"/>
+                        <a:rPr lang="en-US" i="1">
+                          <a:latin typeface="Cambria Math"/>
+                        </a:rPr>
                         <m:t>,</m:t>
                       </m:r>
                       <m:r>
-                        <a:rPr lang="en-US" i="1"/>
+                        <a:rPr lang="en-US" i="1">
+                          <a:latin typeface="Cambria Math"/>
+                        </a:rPr>
                         <m:t>𝑌</m:t>
                       </m:r>
                       <m:r>
-                        <a:rPr lang="en-US" i="1"/>
+                        <a:rPr lang="en-US" i="1">
+                          <a:latin typeface="Cambria Math"/>
+                        </a:rPr>
                         <m:t>=</m:t>
                       </m:r>
                       <m:r>
-                        <a:rPr lang="en-US" i="1"/>
+                        <a:rPr lang="en-US" i="1">
+                          <a:latin typeface="Cambria Math"/>
+                        </a:rPr>
                         <m:t>𝑐𝑜𝑟𝑟</m:t>
                       </m:r>
                       <m:d>
                         <m:dPr>
                           <m:ctrlPr>
-                            <a:rPr lang="en-US" i="1"/>
+                            <a:rPr lang="en-US" i="1">
+                              <a:latin typeface="Cambria Math"/>
+                            </a:rPr>
                           </m:ctrlPr>
                         </m:dPr>
                         <m:e>
                           <m:r>
-                            <a:rPr lang="en-US" i="1"/>
+                            <a:rPr lang="en-US" i="1">
+                              <a:latin typeface="Cambria Math"/>
+                            </a:rPr>
                             <m:t>𝑋</m:t>
                           </m:r>
                           <m:r>
-                            <a:rPr lang="en-US" i="1"/>
+                            <a:rPr lang="en-US" i="1">
+                              <a:latin typeface="Cambria Math"/>
+                            </a:rPr>
                             <m:t>,</m:t>
                           </m:r>
                           <m:r>
-                            <a:rPr lang="en-US" i="1"/>
+                            <a:rPr lang="en-US" i="1">
+                              <a:latin typeface="Cambria Math"/>
+                            </a:rPr>
                             <m:t>𝑌</m:t>
                           </m:r>
                         </m:e>
                       </m:d>
                       <m:r>
-                        <a:rPr lang="en-US" i="1"/>
+                        <a:rPr lang="en-US" i="1">
+                          <a:latin typeface="Cambria Math"/>
+                        </a:rPr>
                         <m:t>= </m:t>
                       </m:r>
                       <m:f>
                         <m:fPr>
                           <m:ctrlPr>
-                            <a:rPr lang="en-US" i="1"/>
+                            <a:rPr lang="en-US" i="1">
+                              <a:latin typeface="Cambria Math"/>
+                            </a:rPr>
                           </m:ctrlPr>
                         </m:fPr>
                         <m:num>
                           <m:r>
-                            <a:rPr lang="en-US" i="1"/>
+                            <a:rPr lang="en-US" i="1">
+                              <a:latin typeface="Cambria Math"/>
+                            </a:rPr>
                             <m:t>𝑐𝑜𝑣</m:t>
                           </m:r>
                           <m:r>
-                            <a:rPr lang="en-US" i="1"/>
+                            <a:rPr lang="en-US" i="1">
+                              <a:latin typeface="Cambria Math"/>
+                            </a:rPr>
                             <m:t>(</m:t>
                           </m:r>
                           <m:r>
-                            <a:rPr lang="en-US" i="1"/>
+                            <a:rPr lang="en-US" i="1">
+                              <a:latin typeface="Cambria Math"/>
+                            </a:rPr>
                             <m:t>𝑋</m:t>
                           </m:r>
                           <m:r>
-                            <a:rPr lang="en-US" i="1"/>
+                            <a:rPr lang="en-US" i="1">
+                              <a:latin typeface="Cambria Math"/>
+                            </a:rPr>
                             <m:t>,</m:t>
                           </m:r>
                           <m:r>
-                            <a:rPr lang="en-US" i="1"/>
+                            <a:rPr lang="en-US" i="1">
+                              <a:latin typeface="Cambria Math"/>
+                            </a:rPr>
                             <m:t>𝑌</m:t>
                           </m:r>
                           <m:r>
-                            <a:rPr lang="en-US" i="1"/>
+                            <a:rPr lang="en-US" i="1">
+                              <a:latin typeface="Cambria Math"/>
+                            </a:rPr>
                             <m:t>)</m:t>
                           </m:r>
                         </m:num>
                         <m:den>
                           <m:r>
-                            <a:rPr lang="en-US" i="1"/>
+                            <a:rPr lang="en-US" i="1">
+                              <a:latin typeface="Cambria Math"/>
+                            </a:rPr>
                             <m:t>𝜎</m:t>
                           </m:r>
                           <m:r>
-                            <a:rPr lang="en-US" i="1"/>
+                            <a:rPr lang="en-US" i="1">
+                              <a:latin typeface="Cambria Math"/>
+                            </a:rPr>
                             <m:t>𝑋</m:t>
                           </m:r>
                           <m:r>
-                            <a:rPr lang="en-US" i="1"/>
+                            <a:rPr lang="en-US" i="1">
+                              <a:latin typeface="Cambria Math"/>
+                            </a:rPr>
                             <m:t>𝜎</m:t>
                           </m:r>
                           <m:r>
-                            <a:rPr lang="en-US" i="1"/>
+                            <a:rPr lang="en-US" i="1">
+                              <a:latin typeface="Cambria Math"/>
+                            </a:rPr>
                             <m:t>𝑌</m:t>
                           </m:r>
                         </m:den>
                       </m:f>
                       <m:r>
-                        <a:rPr lang="en-US" i="1"/>
+                        <a:rPr lang="en-US" i="1">
+                          <a:latin typeface="Cambria Math"/>
+                        </a:rPr>
                         <m:t>= </m:t>
                       </m:r>
                       <m:f>
                         <m:fPr>
                           <m:ctrlPr>
-                            <a:rPr lang="en-US" i="1"/>
+                            <a:rPr lang="en-US" i="1">
+                              <a:latin typeface="Cambria Math"/>
+                            </a:rPr>
                           </m:ctrlPr>
                         </m:fPr>
                         <m:num>
                           <m:r>
-                            <a:rPr lang="en-US" i="1"/>
+                            <a:rPr lang="en-US" i="1">
+                              <a:latin typeface="Cambria Math"/>
+                            </a:rPr>
                             <m:t>𝐸</m:t>
                           </m:r>
                           <m:r>
-                            <a:rPr lang="en-US" i="1"/>
+                            <a:rPr lang="en-US" i="1">
+                              <a:latin typeface="Cambria Math"/>
+                            </a:rPr>
                             <m:t>[</m:t>
                           </m:r>
                           <m:d>
                             <m:dPr>
                               <m:ctrlPr>
-                                <a:rPr lang="en-US" i="1"/>
+                                <a:rPr lang="en-US" i="1">
+                                  <a:latin typeface="Cambria Math"/>
+                                </a:rPr>
                               </m:ctrlPr>
                             </m:dPr>
                             <m:e>
                               <m:r>
-                                <a:rPr lang="en-US" i="1"/>
+                                <a:rPr lang="en-US" i="1">
+                                  <a:latin typeface="Cambria Math"/>
+                                </a:rPr>
                                 <m:t>𝑋</m:t>
                               </m:r>
                               <m:r>
-                                <a:rPr lang="en-US" i="1"/>
+                                <a:rPr lang="en-US" i="1">
+                                  <a:latin typeface="Cambria Math"/>
+                                </a:rPr>
                                 <m:t>−</m:t>
                               </m:r>
                               <m:r>
-                                <a:rPr lang="en-US" i="1"/>
+                                <a:rPr lang="en-US" i="1">
+                                  <a:latin typeface="Cambria Math"/>
+                                </a:rPr>
                                 <m:t>𝜇</m:t>
                               </m:r>
                               <m:r>
-                                <a:rPr lang="en-US" i="1"/>
+                                <a:rPr lang="en-US" i="1">
+                                  <a:latin typeface="Cambria Math"/>
+                                </a:rPr>
                                 <m:t>𝑋</m:t>
                               </m:r>
                             </m:e>
@@ -4194,48 +4297,68 @@
                           <m:d>
                             <m:dPr>
                               <m:ctrlPr>
-                                <a:rPr lang="en-US" i="1"/>
+                                <a:rPr lang="en-US" i="1">
+                                  <a:latin typeface="Cambria Math"/>
+                                </a:rPr>
                               </m:ctrlPr>
                             </m:dPr>
                             <m:e>
                               <m:r>
-                                <a:rPr lang="en-US" i="1"/>
+                                <a:rPr lang="en-US" i="1">
+                                  <a:latin typeface="Cambria Math"/>
+                                </a:rPr>
                                 <m:t>𝑌</m:t>
                               </m:r>
                               <m:r>
-                                <a:rPr lang="en-US" i="1"/>
+                                <a:rPr lang="en-US" i="1">
+                                  <a:latin typeface="Cambria Math"/>
+                                </a:rPr>
                                 <m:t>−</m:t>
                               </m:r>
                               <m:r>
-                                <a:rPr lang="en-US" i="1"/>
+                                <a:rPr lang="en-US" i="1">
+                                  <a:latin typeface="Cambria Math"/>
+                                </a:rPr>
                                 <m:t>𝜇</m:t>
                               </m:r>
                               <m:r>
-                                <a:rPr lang="en-US" i="1"/>
+                                <a:rPr lang="en-US" i="1">
+                                  <a:latin typeface="Cambria Math"/>
+                                </a:rPr>
                                 <m:t>𝑌</m:t>
                               </m:r>
                             </m:e>
                           </m:d>
                           <m:r>
-                            <a:rPr lang="en-US" i="1"/>
+                            <a:rPr lang="en-US" i="1">
+                              <a:latin typeface="Cambria Math"/>
+                            </a:rPr>
                             <m:t>]</m:t>
                           </m:r>
                         </m:num>
                         <m:den>
                           <m:r>
-                            <a:rPr lang="en-US" i="1"/>
+                            <a:rPr lang="en-US" i="1">
+                              <a:latin typeface="Cambria Math"/>
+                            </a:rPr>
                             <m:t>𝜎</m:t>
                           </m:r>
                           <m:r>
-                            <a:rPr lang="en-US" i="1"/>
+                            <a:rPr lang="en-US" i="1">
+                              <a:latin typeface="Cambria Math"/>
+                            </a:rPr>
                             <m:t>𝑋</m:t>
                           </m:r>
                           <m:r>
-                            <a:rPr lang="en-US" i="1"/>
+                            <a:rPr lang="en-US" i="1">
+                              <a:latin typeface="Cambria Math"/>
+                            </a:rPr>
                             <m:t>𝜎</m:t>
                           </m:r>
                           <m:r>
-                            <a:rPr lang="en-US" i="1"/>
+                            <a:rPr lang="en-US" i="1">
+                              <a:latin typeface="Cambria Math"/>
+                            </a:rPr>
                             <m:t>𝑌</m:t>
                           </m:r>
                         </m:den>
@@ -4248,7 +4371,7 @@
             </p:txBody>
           </p:sp>
         </mc:Choice>
-        <mc:Fallback>
+        <mc:Fallback xmlns="">
           <p:sp>
             <p:nvSpPr>
               <p:cNvPr id="9" name="Content Placeholder 8"/>
@@ -4282,8 +4405,8 @@
           </p:sp>
         </mc:Fallback>
       </mc:AlternateContent>
-      <mc:AlternateContent xmlns:mc="http://schemas.openxmlformats.org/markup-compatibility/2006">
-        <mc:Choice xmlns:a14="http://schemas.microsoft.com/office/drawing/2010/main" Requires="a14">
+      <mc:AlternateContent xmlns:mc="http://schemas.openxmlformats.org/markup-compatibility/2006" xmlns:a14="http://schemas.microsoft.com/office/drawing/2010/main">
+        <mc:Choice Requires="a14">
           <p:sp>
             <p:nvSpPr>
               <p:cNvPr id="8" name="Content Placeholder 7"/>
@@ -4323,20 +4446,28 @@
                       <m:d>
                         <m:dPr>
                           <m:ctrlPr>
-                            <a:rPr lang="en-US" i="1"/>
+                            <a:rPr lang="en-US" i="1">
+                              <a:latin typeface="Cambria Math"/>
+                            </a:rPr>
                           </m:ctrlPr>
                         </m:dPr>
                         <m:e>
                           <m:r>
-                            <a:rPr lang="en-US" i="1"/>
+                            <a:rPr lang="en-US" i="1">
+                              <a:latin typeface="Cambria Math"/>
+                            </a:rPr>
                             <m:t>𝑓</m:t>
                           </m:r>
                           <m:r>
-                            <a:rPr lang="en-US" i="1"/>
+                            <a:rPr lang="en-US" i="1">
+                              <a:latin typeface="Cambria Math"/>
+                            </a:rPr>
                             <m:t>∗</m:t>
                           </m:r>
                           <m:r>
-                            <a:rPr lang="en-US" i="1"/>
+                            <a:rPr lang="en-US" i="1">
+                              <a:latin typeface="Cambria Math"/>
+                            </a:rPr>
                             <m:t>𝑔</m:t>
                           </m:r>
                         </m:e>
@@ -4344,156 +4475,212 @@
                       <m:d>
                         <m:dPr>
                           <m:ctrlPr>
-                            <a:rPr lang="en-US" i="1"/>
+                            <a:rPr lang="en-US" i="1">
+                              <a:latin typeface="Cambria Math"/>
+                            </a:rPr>
                           </m:ctrlPr>
                         </m:dPr>
                         <m:e>
                           <m:r>
-                            <a:rPr lang="en-US" i="1"/>
+                            <a:rPr lang="en-US" i="1">
+                              <a:latin typeface="Cambria Math"/>
+                            </a:rPr>
                             <m:t>𝑡</m:t>
                           </m:r>
                         </m:e>
                       </m:d>
                       <m:r>
-                        <a:rPr lang="en-US" i="1"/>
+                        <a:rPr lang="en-US" i="1">
+                          <a:latin typeface="Cambria Math"/>
+                        </a:rPr>
                         <m:t>= </m:t>
                       </m:r>
                       <m:nary>
                         <m:naryPr>
                           <m:limLoc m:val="subSup"/>
                           <m:ctrlPr>
-                            <a:rPr lang="en-US" i="1"/>
+                            <a:rPr lang="en-US" i="1">
+                              <a:latin typeface="Cambria Math"/>
+                            </a:rPr>
                           </m:ctrlPr>
                         </m:naryPr>
                         <m:sub>
                           <m:r>
-                            <a:rPr lang="en-US" i="1"/>
+                            <a:rPr lang="en-US" i="1">
+                              <a:latin typeface="Cambria Math"/>
+                            </a:rPr>
                             <m:t>−∞</m:t>
                           </m:r>
                         </m:sub>
                         <m:sup>
                           <m:r>
-                            <a:rPr lang="en-US" i="1"/>
+                            <a:rPr lang="en-US" i="1">
+                              <a:latin typeface="Cambria Math"/>
+                            </a:rPr>
                             <m:t>∞</m:t>
                           </m:r>
                         </m:sup>
                         <m:e>
                           <m:r>
-                            <a:rPr lang="en-US" i="1"/>
+                            <a:rPr lang="en-US" i="1">
+                              <a:latin typeface="Cambria Math"/>
+                            </a:rPr>
                             <m:t>𝑓</m:t>
                           </m:r>
                           <m:d>
                             <m:dPr>
                               <m:ctrlPr>
-                                <a:rPr lang="en-US" i="1"/>
+                                <a:rPr lang="en-US" i="1">
+                                  <a:latin typeface="Cambria Math"/>
+                                </a:rPr>
                               </m:ctrlPr>
                             </m:dPr>
                             <m:e>
                               <m:r>
-                                <a:rPr lang="en-US" i="1"/>
+                                <a:rPr lang="en-US" i="1">
+                                  <a:latin typeface="Cambria Math"/>
+                                </a:rPr>
                                 <m:t>𝑇</m:t>
                               </m:r>
                             </m:e>
                           </m:d>
                           <m:r>
-                            <a:rPr lang="en-US" i="1"/>
+                            <a:rPr lang="en-US" i="1">
+                              <a:latin typeface="Cambria Math"/>
+                            </a:rPr>
                             <m:t>𝑔</m:t>
                           </m:r>
                           <m:d>
                             <m:dPr>
                               <m:ctrlPr>
-                                <a:rPr lang="en-US" i="1"/>
+                                <a:rPr lang="en-US" i="1">
+                                  <a:latin typeface="Cambria Math"/>
+                                </a:rPr>
                               </m:ctrlPr>
                             </m:dPr>
                             <m:e>
                               <m:r>
-                                <a:rPr lang="en-US" i="1"/>
+                                <a:rPr lang="en-US" i="1">
+                                  <a:latin typeface="Cambria Math"/>
+                                </a:rPr>
                                 <m:t>𝑡</m:t>
                               </m:r>
                               <m:r>
-                                <a:rPr lang="en-US" i="1"/>
+                                <a:rPr lang="en-US" i="1">
+                                  <a:latin typeface="Cambria Math"/>
+                                </a:rPr>
                                 <m:t>−</m:t>
                               </m:r>
                               <m:r>
-                                <a:rPr lang="en-US" i="1"/>
+                                <a:rPr lang="en-US" i="1">
+                                  <a:latin typeface="Cambria Math"/>
+                                </a:rPr>
                                 <m:t>𝑇</m:t>
                               </m:r>
                             </m:e>
                           </m:d>
                           <m:r>
-                            <a:rPr lang="en-US" i="1"/>
+                            <a:rPr lang="en-US" i="1">
+                              <a:latin typeface="Cambria Math"/>
+                            </a:rPr>
                             <m:t>𝑑𝑇</m:t>
                           </m:r>
                         </m:e>
                       </m:nary>
                       <m:r>
-                        <a:rPr lang="en-US" i="1"/>
+                        <a:rPr lang="en-US" i="1">
+                          <a:latin typeface="Cambria Math"/>
+                        </a:rPr>
                         <m:t>= </m:t>
                       </m:r>
                       <m:nary>
                         <m:naryPr>
                           <m:limLoc m:val="subSup"/>
                           <m:ctrlPr>
-                            <a:rPr lang="en-US" i="1"/>
+                            <a:rPr lang="en-US" i="1">
+                              <a:latin typeface="Cambria Math"/>
+                            </a:rPr>
                           </m:ctrlPr>
                         </m:naryPr>
                         <m:sub>
                           <m:r>
-                            <a:rPr lang="en-US" i="1"/>
+                            <a:rPr lang="en-US" i="1">
+                              <a:latin typeface="Cambria Math"/>
+                            </a:rPr>
                             <m:t>−∞</m:t>
                           </m:r>
                         </m:sub>
                         <m:sup>
                           <m:r>
-                            <a:rPr lang="en-US" i="1"/>
+                            <a:rPr lang="en-US" i="1">
+                              <a:latin typeface="Cambria Math"/>
+                            </a:rPr>
                             <m:t>∞</m:t>
                           </m:r>
                         </m:sup>
                         <m:e>
                           <m:r>
-                            <a:rPr lang="en-US" i="1"/>
+                            <a:rPr lang="en-US" i="1">
+                              <a:latin typeface="Cambria Math"/>
+                            </a:rPr>
                             <m:t>𝑓</m:t>
                           </m:r>
                           <m:d>
                             <m:dPr>
                               <m:ctrlPr>
-                                <a:rPr lang="en-US" i="1"/>
+                                <a:rPr lang="en-US" i="1">
+                                  <a:latin typeface="Cambria Math"/>
+                                </a:rPr>
                               </m:ctrlPr>
                             </m:dPr>
                             <m:e>
                               <m:r>
-                                <a:rPr lang="en-US" i="1"/>
+                                <a:rPr lang="en-US" i="1">
+                                  <a:latin typeface="Cambria Math"/>
+                                </a:rPr>
                                 <m:t>𝑡</m:t>
                               </m:r>
                               <m:r>
-                                <a:rPr lang="en-US" i="1"/>
+                                <a:rPr lang="en-US" i="1">
+                                  <a:latin typeface="Cambria Math"/>
+                                </a:rPr>
                                 <m:t>−</m:t>
                               </m:r>
                               <m:r>
-                                <a:rPr lang="en-US" i="1"/>
+                                <a:rPr lang="en-US" i="1">
+                                  <a:latin typeface="Cambria Math"/>
+                                </a:rPr>
                                 <m:t>𝑇</m:t>
                               </m:r>
                             </m:e>
                           </m:d>
                           <m:r>
-                            <a:rPr lang="en-US" i="1"/>
+                            <a:rPr lang="en-US" i="1">
+                              <a:latin typeface="Cambria Math"/>
+                            </a:rPr>
                             <m:t>𝑔</m:t>
                           </m:r>
                           <m:d>
                             <m:dPr>
                               <m:ctrlPr>
-                                <a:rPr lang="en-US" i="1"/>
+                                <a:rPr lang="en-US" i="1">
+                                  <a:latin typeface="Cambria Math"/>
+                                </a:rPr>
                               </m:ctrlPr>
                             </m:dPr>
                             <m:e>
                               <m:r>
-                                <a:rPr lang="en-US" i="1"/>
+                                <a:rPr lang="en-US" i="1">
+                                  <a:latin typeface="Cambria Math"/>
+                                </a:rPr>
                                 <m:t>𝑇</m:t>
                               </m:r>
                             </m:e>
                           </m:d>
                           <m:r>
-                            <a:rPr lang="en-US" i="1"/>
+                            <a:rPr lang="en-US" i="1">
+                              <a:latin typeface="Cambria Math"/>
+                            </a:rPr>
                             <m:t>𝑑𝑇</m:t>
                           </m:r>
                         </m:e>
@@ -4506,7 +4693,7 @@
             </p:txBody>
           </p:sp>
         </mc:Choice>
-        <mc:Fallback>
+        <mc:Fallback xmlns="">
           <p:sp>
             <p:nvSpPr>
               <p:cNvPr id="8" name="Content Placeholder 7"/>
@@ -4644,79 +4831,6 @@
       </p:grpSpPr>
       <p:sp>
         <p:nvSpPr>
-          <p:cNvPr id="7" name="Title 6"/>
-          <p:cNvSpPr>
-            <a:spLocks noGrp="1"/>
-          </p:cNvSpPr>
-          <p:nvPr>
-            <p:ph type="title"/>
-          </p:nvPr>
-        </p:nvSpPr>
-        <p:spPr/>
-        <p:txBody>
-          <a:bodyPr/>
-          <a:lstStyle/>
-          <a:p>
-            <a:pPr algn="ctr"/>
-            <a:r>
-              <a:rPr lang="en-US" dirty="0" smtClean="0"/>
-              <a:t>Fourier Transform</a:t>
-            </a:r>
-            <a:endParaRPr lang="en-US" dirty="0"/>
-          </a:p>
-        </p:txBody>
-      </p:sp>
-      <p:sp>
-        <p:nvSpPr>
-          <p:cNvPr id="8" name="Content Placeholder 7"/>
-          <p:cNvSpPr>
-            <a:spLocks noGrp="1"/>
-          </p:cNvSpPr>
-          <p:nvPr>
-            <p:ph sz="quarter" idx="13"/>
-          </p:nvPr>
-        </p:nvSpPr>
-        <p:spPr/>
-        <p:txBody>
-          <a:bodyPr/>
-          <a:lstStyle/>
-          <a:p>
-            <a:endParaRPr lang="en-US"/>
-          </a:p>
-        </p:txBody>
-      </p:sp>
-    </p:spTree>
-    <p:extLst>
-      <p:ext uri="{BB962C8B-B14F-4D97-AF65-F5344CB8AC3E}">
-        <p14:creationId xmlns:p14="http://schemas.microsoft.com/office/powerpoint/2010/main" val="3295625990"/>
-      </p:ext>
-    </p:extLst>
-  </p:cSld>
-  <p:clrMapOvr>
-    <a:masterClrMapping/>
-  </p:clrMapOvr>
-</p:sld>
-</file>
-
-<file path=ppt/slides/slide6.xml><?xml version="1.0" encoding="utf-8"?>
-<p:sld xmlns:a="http://schemas.openxmlformats.org/drawingml/2006/main" xmlns:r="http://schemas.openxmlformats.org/officeDocument/2006/relationships" xmlns:p="http://schemas.openxmlformats.org/presentationml/2006/main">
-  <p:cSld>
-    <p:spTree>
-      <p:nvGrpSpPr>
-        <p:cNvPr id="1" name=""/>
-        <p:cNvGrpSpPr/>
-        <p:nvPr/>
-      </p:nvGrpSpPr>
-      <p:grpSpPr>
-        <a:xfrm>
-          <a:off x="0" y="0"/>
-          <a:ext cx="0" cy="0"/>
-          <a:chOff x="0" y="0"/>
-          <a:chExt cx="0" cy="0"/>
-        </a:xfrm>
-      </p:grpSpPr>
-      <p:sp>
-        <p:nvSpPr>
           <p:cNvPr id="2" name="Title 1"/>
           <p:cNvSpPr>
             <a:spLocks noGrp="1"/>
@@ -4757,7 +4871,7 @@
 </p:sld>
 </file>
 
-<file path=ppt/slides/slide7.xml><?xml version="1.0" encoding="utf-8"?>
+<file path=ppt/slides/slide6.xml><?xml version="1.0" encoding="utf-8"?>
 <p:sld xmlns:a="http://schemas.openxmlformats.org/drawingml/2006/main" xmlns:r="http://schemas.openxmlformats.org/officeDocument/2006/relationships" xmlns:p="http://schemas.openxmlformats.org/presentationml/2006/main">
   <p:cSld>
     <p:spTree>
@@ -4884,12 +4998,12 @@
           <a:graphicData uri="http://schemas.openxmlformats.org/presentationml/2006/ole">
             <mc:AlternateContent xmlns:mc="http://schemas.openxmlformats.org/markup-compatibility/2006">
               <mc:Choice xmlns:v="urn:schemas-microsoft-com:vml" Requires="v">
-                <p:oleObj spid="_x0000_s1032" r:id="rId3" imgW="3931839" imgH="2727864" progId="Visio.Drawing.15">
+                <p:oleObj spid="_x0000_s1036" r:id="rId4" imgW="3931839" imgH="2727864" progId="Visio.Drawing.15">
                   <p:embed/>
                 </p:oleObj>
               </mc:Choice>
               <mc:Fallback>
-                <p:oleObj r:id="rId3" imgW="3931839" imgH="2727864" progId="Visio.Drawing.15">
+                <p:oleObj r:id="rId4" imgW="3931839" imgH="2727864" progId="Visio.Drawing.15">
                   <p:embed/>
                   <p:pic>
                     <p:nvPicPr>
@@ -4900,7 +5014,7 @@
                       <p:nvPr/>
                     </p:nvPicPr>
                     <p:blipFill>
-                      <a:blip r:embed="rId4">
+                      <a:blip r:embed="rId5">
                         <a:extLst>
                           <a:ext uri="{28A0092B-C50C-407E-A947-70E740481C1C}">
                             <a14:useLocalDpi xmlns:a14="http://schemas.microsoft.com/office/drawing/2010/main" val="0"/>
@@ -4945,7 +5059,7 @@
 </p:sld>
 </file>
 
-<file path=ppt/slides/slide8.xml><?xml version="1.0" encoding="utf-8"?>
+<file path=ppt/slides/slide7.xml><?xml version="1.0" encoding="utf-8"?>
 <p:sld xmlns:a="http://schemas.openxmlformats.org/drawingml/2006/main" xmlns:r="http://schemas.openxmlformats.org/officeDocument/2006/relationships" xmlns:p="http://schemas.openxmlformats.org/presentationml/2006/main">
   <p:cSld>
     <p:spTree>
@@ -5065,6 +5179,65 @@
 </p:sld>
 </file>
 
+<file path=ppt/slides/slide8.xml><?xml version="1.0" encoding="utf-8"?>
+<p:sld xmlns:a="http://schemas.openxmlformats.org/drawingml/2006/main" xmlns:r="http://schemas.openxmlformats.org/officeDocument/2006/relationships" xmlns:p="http://schemas.openxmlformats.org/presentationml/2006/main">
+  <p:cSld>
+    <p:spTree>
+      <p:nvGrpSpPr>
+        <p:cNvPr id="1" name=""/>
+        <p:cNvGrpSpPr/>
+        <p:nvPr/>
+      </p:nvGrpSpPr>
+      <p:grpSpPr>
+        <a:xfrm>
+          <a:off x="0" y="0"/>
+          <a:ext cx="0" cy="0"/>
+          <a:chOff x="0" y="0"/>
+          <a:chExt cx="0" cy="0"/>
+        </a:xfrm>
+      </p:grpSpPr>
+      <p:sp>
+        <p:nvSpPr>
+          <p:cNvPr id="4" name="Title 3"/>
+          <p:cNvSpPr>
+            <a:spLocks noGrp="1"/>
+          </p:cNvSpPr>
+          <p:nvPr>
+            <p:ph type="title"/>
+          </p:nvPr>
+        </p:nvSpPr>
+        <p:spPr>
+          <a:xfrm>
+            <a:off x="609600" y="2362200"/>
+            <a:ext cx="7924800" cy="1143000"/>
+          </a:xfrm>
+        </p:spPr>
+        <p:txBody>
+          <a:bodyPr/>
+          <a:lstStyle/>
+          <a:p>
+            <a:pPr algn="ctr"/>
+            <a:r>
+              <a:rPr lang="en-US" dirty="0" smtClean="0"/>
+              <a:t>Encoder</a:t>
+            </a:r>
+            <a:endParaRPr lang="en-US" dirty="0"/>
+          </a:p>
+        </p:txBody>
+      </p:sp>
+    </p:spTree>
+    <p:extLst>
+      <p:ext uri="{BB962C8B-B14F-4D97-AF65-F5344CB8AC3E}">
+        <p14:creationId xmlns:p14="http://schemas.microsoft.com/office/powerpoint/2010/main" val="980224155"/>
+      </p:ext>
+    </p:extLst>
+  </p:cSld>
+  <p:clrMapOvr>
+    <a:masterClrMapping/>
+  </p:clrMapOvr>
+</p:sld>
+</file>
+
 <file path=ppt/slides/slide9.xml><?xml version="1.0" encoding="utf-8"?>
 <p:sld xmlns:a="http://schemas.openxmlformats.org/drawingml/2006/main" xmlns:r="http://schemas.openxmlformats.org/officeDocument/2006/relationships" xmlns:p="http://schemas.openxmlformats.org/presentationml/2006/main">
   <p:cSld>
@@ -5084,7 +5257,7 @@
       </p:grpSpPr>
       <p:sp>
         <p:nvSpPr>
-          <p:cNvPr id="4" name="Title 3"/>
+          <p:cNvPr id="2" name="Title 1"/>
           <p:cNvSpPr>
             <a:spLocks noGrp="1"/>
           </p:cNvSpPr>
@@ -5094,7 +5267,7 @@
         </p:nvSpPr>
         <p:spPr>
           <a:xfrm>
-            <a:off x="609600" y="2362200"/>
+            <a:off x="609600" y="2209800"/>
             <a:ext cx="7924800" cy="1143000"/>
           </a:xfrm>
         </p:spPr>
@@ -5105,7 +5278,7 @@
             <a:pPr algn="ctr"/>
             <a:r>
               <a:rPr lang="en-US" dirty="0" smtClean="0"/>
-              <a:t>Encoder</a:t>
+              <a:t>decoder</a:t>
             </a:r>
             <a:endParaRPr lang="en-US" dirty="0"/>
           </a:p>
@@ -5114,7 +5287,7 @@
     </p:spTree>
     <p:extLst>
       <p:ext uri="{BB962C8B-B14F-4D97-AF65-F5344CB8AC3E}">
-        <p14:creationId xmlns:p14="http://schemas.microsoft.com/office/powerpoint/2010/main" val="980224155"/>
+        <p14:creationId xmlns:p14="http://schemas.microsoft.com/office/powerpoint/2010/main" val="3132110286"/>
       </p:ext>
     </p:extLst>
   </p:cSld>
